--- a/presentation/미팅/meeting_7.pptx
+++ b/presentation/미팅/meeting_7.pptx
@@ -275,7 +275,7 @@
           <a:p>
             <a:fld id="{90C7BA97-82B5-496C-B2DD-081EC55B3868}" type="datetimeFigureOut">
               <a:rPr lang="ko-KR" altLang="en-US" smtClean="0"/>
-              <a:t>2024-05-23</a:t>
+              <a:t>2024-05-27</a:t>
             </a:fld>
             <a:endParaRPr lang="ko-KR" altLang="en-US"/>
           </a:p>
@@ -473,7 +473,7 @@
           <a:p>
             <a:fld id="{90C7BA97-82B5-496C-B2DD-081EC55B3868}" type="datetimeFigureOut">
               <a:rPr lang="ko-KR" altLang="en-US" smtClean="0"/>
-              <a:t>2024-05-23</a:t>
+              <a:t>2024-05-27</a:t>
             </a:fld>
             <a:endParaRPr lang="ko-KR" altLang="en-US"/>
           </a:p>
@@ -681,7 +681,7 @@
           <a:p>
             <a:fld id="{90C7BA97-82B5-496C-B2DD-081EC55B3868}" type="datetimeFigureOut">
               <a:rPr lang="ko-KR" altLang="en-US" smtClean="0"/>
-              <a:t>2024-05-23</a:t>
+              <a:t>2024-05-27</a:t>
             </a:fld>
             <a:endParaRPr lang="ko-KR" altLang="en-US"/>
           </a:p>
@@ -879,7 +879,7 @@
           <a:p>
             <a:fld id="{90C7BA97-82B5-496C-B2DD-081EC55B3868}" type="datetimeFigureOut">
               <a:rPr lang="ko-KR" altLang="en-US" smtClean="0"/>
-              <a:t>2024-05-23</a:t>
+              <a:t>2024-05-27</a:t>
             </a:fld>
             <a:endParaRPr lang="ko-KR" altLang="en-US"/>
           </a:p>
@@ -1154,7 +1154,7 @@
           <a:p>
             <a:fld id="{90C7BA97-82B5-496C-B2DD-081EC55B3868}" type="datetimeFigureOut">
               <a:rPr lang="ko-KR" altLang="en-US" smtClean="0"/>
-              <a:t>2024-05-23</a:t>
+              <a:t>2024-05-27</a:t>
             </a:fld>
             <a:endParaRPr lang="ko-KR" altLang="en-US"/>
           </a:p>
@@ -1419,7 +1419,7 @@
           <a:p>
             <a:fld id="{90C7BA97-82B5-496C-B2DD-081EC55B3868}" type="datetimeFigureOut">
               <a:rPr lang="ko-KR" altLang="en-US" smtClean="0"/>
-              <a:t>2024-05-23</a:t>
+              <a:t>2024-05-27</a:t>
             </a:fld>
             <a:endParaRPr lang="ko-KR" altLang="en-US"/>
           </a:p>
@@ -1831,7 +1831,7 @@
           <a:p>
             <a:fld id="{90C7BA97-82B5-496C-B2DD-081EC55B3868}" type="datetimeFigureOut">
               <a:rPr lang="ko-KR" altLang="en-US" smtClean="0"/>
-              <a:t>2024-05-23</a:t>
+              <a:t>2024-05-27</a:t>
             </a:fld>
             <a:endParaRPr lang="ko-KR" altLang="en-US"/>
           </a:p>
@@ -1972,7 +1972,7 @@
           <a:p>
             <a:fld id="{90C7BA97-82B5-496C-B2DD-081EC55B3868}" type="datetimeFigureOut">
               <a:rPr lang="ko-KR" altLang="en-US" smtClean="0"/>
-              <a:t>2024-05-23</a:t>
+              <a:t>2024-05-27</a:t>
             </a:fld>
             <a:endParaRPr lang="ko-KR" altLang="en-US"/>
           </a:p>
@@ -2085,7 +2085,7 @@
           <a:p>
             <a:fld id="{90C7BA97-82B5-496C-B2DD-081EC55B3868}" type="datetimeFigureOut">
               <a:rPr lang="ko-KR" altLang="en-US" smtClean="0"/>
-              <a:t>2024-05-23</a:t>
+              <a:t>2024-05-27</a:t>
             </a:fld>
             <a:endParaRPr lang="ko-KR" altLang="en-US"/>
           </a:p>
@@ -2396,7 +2396,7 @@
           <a:p>
             <a:fld id="{90C7BA97-82B5-496C-B2DD-081EC55B3868}" type="datetimeFigureOut">
               <a:rPr lang="ko-KR" altLang="en-US" smtClean="0"/>
-              <a:t>2024-05-23</a:t>
+              <a:t>2024-05-27</a:t>
             </a:fld>
             <a:endParaRPr lang="ko-KR" altLang="en-US"/>
           </a:p>
@@ -2684,7 +2684,7 @@
           <a:p>
             <a:fld id="{90C7BA97-82B5-496C-B2DD-081EC55B3868}" type="datetimeFigureOut">
               <a:rPr lang="ko-KR" altLang="en-US" smtClean="0"/>
-              <a:t>2024-05-23</a:t>
+              <a:t>2024-05-27</a:t>
             </a:fld>
             <a:endParaRPr lang="ko-KR" altLang="en-US"/>
           </a:p>
@@ -2925,7 +2925,7 @@
           <a:p>
             <a:fld id="{90C7BA97-82B5-496C-B2DD-081EC55B3868}" type="datetimeFigureOut">
               <a:rPr lang="ko-KR" altLang="en-US" smtClean="0"/>
-              <a:t>2024-05-23</a:t>
+              <a:t>2024-05-27</a:t>
             </a:fld>
             <a:endParaRPr lang="ko-KR" altLang="en-US"/>
           </a:p>
@@ -5414,6 +5414,15 @@
 </file>
 
 <file path=customXml/item2.xml><?xml version="1.0" encoding="utf-8"?>
+<?mso-contentType ?>
+<FormTemplates xmlns="http://schemas.microsoft.com/sharepoint/v3/contenttype/forms">
+  <Display>DocumentLibraryForm</Display>
+  <Edit>DocumentLibraryForm</Edit>
+  <New>DocumentLibraryForm</New>
+</FormTemplates>
+</file>
+
+<file path=customXml/item3.xml><?xml version="1.0" encoding="utf-8"?>
 <ct:contentTypeSchema xmlns:ct="http://schemas.microsoft.com/office/2006/metadata/contentType" xmlns:ma="http://schemas.microsoft.com/office/2006/metadata/properties/metaAttributes" ct:_="" ma:_="" ma:contentTypeName="문서" ma:contentTypeID="0x010100B18D231B74378349B1D12D58A47D7D84" ma:contentTypeVersion="6" ma:contentTypeDescription="새 문서를 만듭니다." ma:contentTypeScope="" ma:versionID="0f8a4de0edd1053c79a56bac1f142eaa">
   <xsd:schema xmlns:xsd="http://www.w3.org/2001/XMLSchema" xmlns:xs="http://www.w3.org/2001/XMLSchema" xmlns:p="http://schemas.microsoft.com/office/2006/metadata/properties" xmlns:ns3="1d58a02e-a6a4-40cb-a323-e42250b509a0" targetNamespace="http://schemas.microsoft.com/office/2006/metadata/properties" ma:root="true" ma:fieldsID="02970aacc87c9ef8234533e42a694bc9" ns3:_="">
     <xsd:import namespace="1d58a02e-a6a4-40cb-a323-e42250b509a0"/>
@@ -5569,15 +5578,6 @@
 </ct:contentTypeSchema>
 </file>
 
-<file path=customXml/item3.xml><?xml version="1.0" encoding="utf-8"?>
-<?mso-contentType ?>
-<FormTemplates xmlns="http://schemas.microsoft.com/sharepoint/v3/contenttype/forms">
-  <Display>DocumentLibraryForm</Display>
-  <Edit>DocumentLibraryForm</Edit>
-  <New>DocumentLibraryForm</New>
-</FormTemplates>
-</file>
-
 <file path=customXml/itemProps1.xml><?xml version="1.0" encoding="utf-8"?>
 <ds:datastoreItem xmlns:ds="http://schemas.openxmlformats.org/officeDocument/2006/customXml" ds:itemID="{BCCC7ECF-7C0E-4482-884C-503113A04913}">
   <ds:schemaRefs>
@@ -5595,6 +5595,14 @@
 </file>
 
 <file path=customXml/itemProps2.xml><?xml version="1.0" encoding="utf-8"?>
+<ds:datastoreItem xmlns:ds="http://schemas.openxmlformats.org/officeDocument/2006/customXml" ds:itemID="{DEF8BC03-6BB0-4549-BB33-508634C3096C}">
+  <ds:schemaRefs>
+    <ds:schemaRef ds:uri="http://schemas.microsoft.com/sharepoint/v3/contenttype/forms"/>
+  </ds:schemaRefs>
+</ds:datastoreItem>
+</file>
+
+<file path=customXml/itemProps3.xml><?xml version="1.0" encoding="utf-8"?>
 <ds:datastoreItem xmlns:ds="http://schemas.openxmlformats.org/officeDocument/2006/customXml" ds:itemID="{38F6890F-FEBC-4391-B345-FD5A52885088}">
   <ds:schemaRefs>
     <ds:schemaRef ds:uri="1d58a02e-a6a4-40cb-a323-e42250b509a0"/>
@@ -5610,12 +5618,4 @@
     <ds:schemaRef ds:uri="http://www.w3.org/2001/XMLSchema"/>
   </ds:schemaRefs>
 </ds:datastoreItem>
-</file>
-
-<file path=customXml/itemProps3.xml><?xml version="1.0" encoding="utf-8"?>
-<ds:datastoreItem xmlns:ds="http://schemas.openxmlformats.org/officeDocument/2006/customXml" ds:itemID="{DEF8BC03-6BB0-4549-BB33-508634C3096C}">
-  <ds:schemaRefs>
-    <ds:schemaRef ds:uri="http://schemas.microsoft.com/sharepoint/v3/contenttype/forms"/>
-  </ds:schemaRefs>
-</ds:datastoreItem>
 </file>